--- a/CalendarioAgo2023/presentaciones/8_For.pptx
+++ b/CalendarioAgo2023/presentaciones/8_For.pptx
@@ -229,7 +229,7 @@
           <a:p>
             <a:fld id="{6850521A-C27A-4838-9C91-787748A77EFD}" type="datetimeFigureOut">
               <a:rPr lang="es-MX" smtClean="0"/>
-              <a:t>30/08/2022</a:t>
+              <a:t>29/08/2023</a:t>
             </a:fld>
             <a:endParaRPr lang="es-MX" dirty="0"/>
           </a:p>
@@ -2022,7 +2022,7 @@
           <a:p>
             <a:fld id="{25BC5239-EFEC-4EF5-AB4E-B8ED16D8832D}" type="datetimeFigureOut">
               <a:rPr lang="es-MX" smtClean="0"/>
-              <a:t>30/08/2022</a:t>
+              <a:t>29/08/2023</a:t>
             </a:fld>
             <a:endParaRPr lang="es-MX" dirty="0"/>
           </a:p>
@@ -2192,7 +2192,7 @@
           <a:p>
             <a:fld id="{25BC5239-EFEC-4EF5-AB4E-B8ED16D8832D}" type="datetimeFigureOut">
               <a:rPr lang="es-MX" smtClean="0"/>
-              <a:t>30/08/2022</a:t>
+              <a:t>29/08/2023</a:t>
             </a:fld>
             <a:endParaRPr lang="es-MX" dirty="0"/>
           </a:p>
@@ -2372,7 +2372,7 @@
           <a:p>
             <a:fld id="{25BC5239-EFEC-4EF5-AB4E-B8ED16D8832D}" type="datetimeFigureOut">
               <a:rPr lang="es-MX" smtClean="0"/>
-              <a:t>30/08/2022</a:t>
+              <a:t>29/08/2023</a:t>
             </a:fld>
             <a:endParaRPr lang="es-MX" dirty="0"/>
           </a:p>
@@ -2753,7 +2753,7 @@
           <a:p>
             <a:fld id="{1D8BD707-D9CF-40AE-B4C6-C98DA3205C09}" type="datetimeFigureOut">
               <a:rPr lang="en-US" smtClean="0"/>
-              <a:t>8/30/2022</a:t>
+              <a:t>8/29/2023</a:t>
             </a:fld>
             <a:endParaRPr lang="en-US" dirty="0"/>
           </a:p>
@@ -2913,7 +2913,7 @@
           <a:p>
             <a:fld id="{25BC5239-EFEC-4EF5-AB4E-B8ED16D8832D}" type="datetimeFigureOut">
               <a:rPr lang="es-MX" smtClean="0"/>
-              <a:t>30/08/2022</a:t>
+              <a:t>29/08/2023</a:t>
             </a:fld>
             <a:endParaRPr lang="es-MX" dirty="0"/>
           </a:p>
@@ -3159,7 +3159,7 @@
           <a:p>
             <a:fld id="{25BC5239-EFEC-4EF5-AB4E-B8ED16D8832D}" type="datetimeFigureOut">
               <a:rPr lang="es-MX" smtClean="0"/>
-              <a:t>30/08/2022</a:t>
+              <a:t>29/08/2023</a:t>
             </a:fld>
             <a:endParaRPr lang="es-MX" dirty="0"/>
           </a:p>
@@ -3447,7 +3447,7 @@
           <a:p>
             <a:fld id="{25BC5239-EFEC-4EF5-AB4E-B8ED16D8832D}" type="datetimeFigureOut">
               <a:rPr lang="es-MX" smtClean="0"/>
-              <a:t>30/08/2022</a:t>
+              <a:t>29/08/2023</a:t>
             </a:fld>
             <a:endParaRPr lang="es-MX" dirty="0"/>
           </a:p>
@@ -3869,7 +3869,7 @@
           <a:p>
             <a:fld id="{25BC5239-EFEC-4EF5-AB4E-B8ED16D8832D}" type="datetimeFigureOut">
               <a:rPr lang="es-MX" smtClean="0"/>
-              <a:t>30/08/2022</a:t>
+              <a:t>29/08/2023</a:t>
             </a:fld>
             <a:endParaRPr lang="es-MX" dirty="0"/>
           </a:p>
@@ -3987,7 +3987,7 @@
           <a:p>
             <a:fld id="{25BC5239-EFEC-4EF5-AB4E-B8ED16D8832D}" type="datetimeFigureOut">
               <a:rPr lang="es-MX" smtClean="0"/>
-              <a:t>30/08/2022</a:t>
+              <a:t>29/08/2023</a:t>
             </a:fld>
             <a:endParaRPr lang="es-MX" dirty="0"/>
           </a:p>
@@ -4082,7 +4082,7 @@
           <a:p>
             <a:fld id="{25BC5239-EFEC-4EF5-AB4E-B8ED16D8832D}" type="datetimeFigureOut">
               <a:rPr lang="es-MX" smtClean="0"/>
-              <a:t>30/08/2022</a:t>
+              <a:t>29/08/2023</a:t>
             </a:fld>
             <a:endParaRPr lang="es-MX" dirty="0"/>
           </a:p>
@@ -4359,7 +4359,7 @@
           <a:p>
             <a:fld id="{25BC5239-EFEC-4EF5-AB4E-B8ED16D8832D}" type="datetimeFigureOut">
               <a:rPr lang="es-MX" smtClean="0"/>
-              <a:t>30/08/2022</a:t>
+              <a:t>29/08/2023</a:t>
             </a:fld>
             <a:endParaRPr lang="es-MX" dirty="0"/>
           </a:p>
@@ -4612,7 +4612,7 @@
           <a:p>
             <a:fld id="{25BC5239-EFEC-4EF5-AB4E-B8ED16D8832D}" type="datetimeFigureOut">
               <a:rPr lang="es-MX" smtClean="0"/>
-              <a:t>30/08/2022</a:t>
+              <a:t>29/08/2023</a:t>
             </a:fld>
             <a:endParaRPr lang="es-MX" dirty="0"/>
           </a:p>
@@ -4825,7 +4825,7 @@
           <a:p>
             <a:fld id="{25BC5239-EFEC-4EF5-AB4E-B8ED16D8832D}" type="datetimeFigureOut">
               <a:rPr lang="es-MX" smtClean="0"/>
-              <a:t>30/08/2022</a:t>
+              <a:t>29/08/2023</a:t>
             </a:fld>
             <a:endParaRPr lang="es-MX" dirty="0"/>
           </a:p>
@@ -5447,6 +5447,20 @@
               </a:rPr>
             </a:br>
             <a:r>
+              <a:rPr lang="es-ES_tradnl" sz="4000" b="1">
+                <a:solidFill>
+                  <a:srgbClr val="FF0000"/>
+                </a:solidFill>
+                <a:effectLst>
+                  <a:outerShdw blurRad="38100" dist="38100" dir="2700000" algn="tl">
+                    <a:srgbClr val="C0C0C0"/>
+                  </a:outerShdw>
+                </a:effectLst>
+                <a:latin typeface="Dom Casual" charset="0"/>
+              </a:rPr>
+              <a:t>for </a:t>
+            </a:r>
+            <a:r>
               <a:rPr lang="es-ES_tradnl" sz="4000" b="1" dirty="0">
                 <a:solidFill>
                   <a:srgbClr val="FF0000"/>
@@ -5458,7 +5472,7 @@
                 </a:effectLst>
                 <a:latin typeface="Dom Casual" charset="0"/>
               </a:rPr>
-              <a:t>foro (max_value)</a:t>
+              <a:t>(max_value)</a:t>
             </a:r>
           </a:p>
         </p:txBody>
